--- a/media/kxjtd/前行念诵仪轨2025.pptx
+++ b/media/kxjtd/前行念诵仪轨2025.pptx
@@ -253,7 +253,7 @@
           <a:p>
             <a:fld id="{8172DE43-1366-4B6F-AD61-3E4779D395D9}" type="datetimeFigureOut">
               <a:rPr lang="en-US" smtClean="0"/>
-              <a:t>3/27/2025</a:t>
+              <a:t>4/11/2025</a:t>
             </a:fld>
             <a:endParaRPr lang="en-US"/>
           </a:p>
@@ -431,7 +431,7 @@
           <a:p>
             <a:fld id="{4BFE145F-C6F0-452B-9CF7-C100BE1F2A06}" type="datetimeFigureOut">
               <a:rPr lang="en-US" smtClean="0"/>
-              <a:t>3/27/2025</a:t>
+              <a:t>4/11/2025</a:t>
             </a:fld>
             <a:endParaRPr lang="en-US"/>
           </a:p>
@@ -16767,7 +16767,21 @@
                 <a:latin typeface="黑体" panose="02010609060101010101" pitchFamily="49" charset="-122"/>
                 <a:ea typeface="黑体" panose="02010609060101010101" pitchFamily="49" charset="-122"/>
               </a:rPr>
-              <a:t>　　为利瞻部众生而降临</a:t>
+              <a:t>　　</a:t>
+            </a:r>
+            <a:r>
+              <a:rPr lang="zh-CN" altLang="en-US" sz="3600">
+                <a:latin typeface="黑体" panose="02010609060101010101" pitchFamily="49" charset="-122"/>
+                <a:ea typeface="黑体" panose="02010609060101010101" pitchFamily="49" charset="-122"/>
+              </a:rPr>
+              <a:t>为利赡部</a:t>
+            </a:r>
+            <a:r>
+              <a:rPr lang="zh-CN" altLang="en-US" sz="3600" dirty="0">
+                <a:latin typeface="黑体" panose="02010609060101010101" pitchFamily="49" charset="-122"/>
+                <a:ea typeface="黑体" panose="02010609060101010101" pitchFamily="49" charset="-122"/>
+              </a:rPr>
+              <a:t>众生而降临</a:t>
             </a:r>
           </a:p>
           <a:p>
